--- a/2024年/周报20241227.pptx
+++ b/2024年/周报20241227.pptx
@@ -3578,7 +3578,7 @@
         </p:nvSpPr>
         <p:spPr>
           <a:xfrm>
-            <a:off x="4828540" y="4237355"/>
+            <a:off x="4828540" y="4119880"/>
             <a:ext cx="13058140" cy="891540"/>
           </a:xfrm>
           <a:prstGeom prst="rect">
@@ -3675,7 +3675,7 @@
         </p:nvSpPr>
         <p:spPr>
           <a:xfrm>
-            <a:off x="4828540" y="5782310"/>
+            <a:off x="4828540" y="5664835"/>
             <a:ext cx="13058140" cy="891540"/>
           </a:xfrm>
           <a:prstGeom prst="rect">
@@ -3739,7 +3739,18 @@
                 <a:ea typeface="微软雅黑" panose="020B0503020204020204" pitchFamily="34" charset="-122"/>
                 <a:sym typeface="+mn-ea"/>
               </a:rPr>
-              <a:t>基本完成第一批数据的标注</a:t>
+              <a:t>基本完成</a:t>
+            </a:r>
+            <a:r>
+              <a:rPr lang="zh-CN" altLang="en-US" sz="4000" b="1" dirty="0">
+                <a:solidFill>
+                  <a:srgbClr val="002060"/>
+                </a:solidFill>
+                <a:latin typeface="微软雅黑" panose="020B0503020204020204" pitchFamily="34" charset="-122"/>
+                <a:ea typeface="微软雅黑" panose="020B0503020204020204" pitchFamily="34" charset="-122"/>
+                <a:sym typeface="+mn-ea"/>
+              </a:rPr>
+              <a:t>原始数据的标注</a:t>
             </a:r>
             <a:r>
               <a:rPr lang="zh-CN" altLang="en-US" sz="4000" b="1" dirty="0">
@@ -3771,7 +3782,7 @@
         </p:nvSpPr>
         <p:spPr>
           <a:xfrm>
-            <a:off x="4828540" y="7327265"/>
+            <a:off x="4828540" y="7209790"/>
             <a:ext cx="13058140" cy="891540"/>
           </a:xfrm>
           <a:prstGeom prst="rect">
@@ -3835,18 +3846,7 @@
                 <a:ea typeface="微软雅黑" panose="020B0503020204020204" pitchFamily="34" charset="-122"/>
                 <a:sym typeface="+mn-ea"/>
               </a:rPr>
-              <a:t>修改基于荧光直读专利返回意见</a:t>
-            </a:r>
-            <a:r>
-              <a:rPr lang="zh-CN" altLang="en-US" sz="4000" b="1" dirty="0">
-                <a:solidFill>
-                  <a:srgbClr val="002060"/>
-                </a:solidFill>
-                <a:latin typeface="微软雅黑" panose="020B0503020204020204" pitchFamily="34" charset="-122"/>
-                <a:ea typeface="微软雅黑" panose="020B0503020204020204" pitchFamily="34" charset="-122"/>
-                <a:sym typeface="+mn-ea"/>
-              </a:rPr>
-              <a:t>稿</a:t>
+              <a:t>协助华进编写荧光直读专利初稿</a:t>
             </a:r>
             <a:endParaRPr lang="zh-CN" altLang="en-US" sz="4000" b="1" dirty="0">
               <a:solidFill>
@@ -3983,14 +3983,15 @@
         </p:nvPicPr>
         <p:blipFill>
           <a:blip r:embed="rId1"/>
+          <a:srcRect l="16358" t="30531" r="33212" b="2707"/>
           <a:stretch>
             <a:fillRect/>
           </a:stretch>
         </p:blipFill>
         <p:spPr>
           <a:xfrm>
-            <a:off x="532765" y="1128395"/>
-            <a:ext cx="7829550" cy="5536565"/>
+            <a:off x="532765" y="1719580"/>
+            <a:ext cx="4699635" cy="4400550"/>
           </a:xfrm>
           <a:prstGeom prst="rect">
             <a:avLst/>
@@ -4014,32 +4015,8 @@
         </p:blipFill>
         <p:spPr>
           <a:xfrm>
-            <a:off x="11074400" y="7139940"/>
+            <a:off x="10654665" y="7132955"/>
             <a:ext cx="10132060" cy="4584700"/>
-          </a:xfrm>
-          <a:prstGeom prst="rect">
-            <a:avLst/>
-          </a:prstGeom>
-        </p:spPr>
-      </p:pic>
-      <p:pic>
-        <p:nvPicPr>
-          <p:cNvPr id="7" name="图片 6"/>
-          <p:cNvPicPr>
-            <a:picLocks noChangeAspect="1"/>
-          </p:cNvPicPr>
-          <p:nvPr/>
-        </p:nvPicPr>
-        <p:blipFill>
-          <a:blip r:embed="rId3"/>
-          <a:stretch>
-            <a:fillRect/>
-          </a:stretch>
-        </p:blipFill>
-        <p:spPr>
-          <a:xfrm>
-            <a:off x="12205970" y="1128395"/>
-            <a:ext cx="7869555" cy="5542915"/>
           </a:xfrm>
           <a:prstGeom prst="rect">
             <a:avLst/>
@@ -4055,7 +4032,7 @@
           <p:nvPr/>
         </p:nvPicPr>
         <p:blipFill>
-          <a:blip r:embed="rId4"/>
+          <a:blip r:embed="rId3"/>
           <a:srcRect l="18479" t="21419" r="3101" b="3639"/>
           <a:stretch>
             <a:fillRect/>
@@ -4079,7 +4056,7 @@
         </p:nvSpPr>
         <p:spPr>
           <a:xfrm>
-            <a:off x="9396095" y="3810635"/>
+            <a:off x="5648960" y="3645535"/>
             <a:ext cx="1775460" cy="548640"/>
           </a:xfrm>
           <a:prstGeom prst="homePlate">
@@ -4118,7 +4095,7 @@
         </p:nvSpPr>
         <p:spPr>
           <a:xfrm>
-            <a:off x="9063990" y="9151620"/>
+            <a:off x="8785225" y="9151620"/>
             <a:ext cx="1775460" cy="548640"/>
           </a:xfrm>
           <a:prstGeom prst="homePlate">
@@ -4146,6 +4123,100 @@
           <a:p>
             <a:pPr algn="ctr"/>
             <a:endParaRPr lang="zh-CN" altLang="en-US"/>
+          </a:p>
+        </p:txBody>
+      </p:sp>
+      <p:pic>
+        <p:nvPicPr>
+          <p:cNvPr id="5" name="图片 4"/>
+          <p:cNvPicPr>
+            <a:picLocks noChangeAspect="1"/>
+          </p:cNvPicPr>
+          <p:nvPr/>
+        </p:nvPicPr>
+        <p:blipFill>
+          <a:blip r:embed="rId4"/>
+          <a:stretch>
+            <a:fillRect/>
+          </a:stretch>
+        </p:blipFill>
+        <p:spPr>
+          <a:xfrm>
+            <a:off x="7774305" y="1719580"/>
+            <a:ext cx="4718685" cy="4394200"/>
+          </a:xfrm>
+          <a:prstGeom prst="rect">
+            <a:avLst/>
+          </a:prstGeom>
+        </p:spPr>
+      </p:pic>
+      <p:sp>
+        <p:nvSpPr>
+          <p:cNvPr id="13" name="文本框 12"/>
+          <p:cNvSpPr txBox="1"/>
+          <p:nvPr/>
+        </p:nvSpPr>
+        <p:spPr>
+          <a:xfrm>
+            <a:off x="13414375" y="1950720"/>
+            <a:ext cx="7372350" cy="4400550"/>
+          </a:xfrm>
+          <a:prstGeom prst="rect">
+            <a:avLst/>
+          </a:prstGeom>
+          <a:noFill/>
+        </p:spPr>
+        <p:txBody>
+          <a:bodyPr wrap="square" rtlCol="0" anchor="t">
+            <a:noAutofit/>
+          </a:bodyPr>
+          <a:p>
+            <a:pPr indent="457200"/>
+            <a:r>
+              <a:rPr lang="en-US" sz="6000" b="1" dirty="0">
+                <a:latin typeface="仿宋" panose="02010609060101010101" charset="-122"/>
+                <a:ea typeface="仿宋" panose="02010609060101010101" charset="-122"/>
+                <a:sym typeface="+mn-ea"/>
+              </a:rPr>
+              <a:t> </a:t>
+            </a:r>
+            <a:r>
+              <a:rPr lang="zh-CN" altLang="en-US" sz="6000" b="1" dirty="0">
+                <a:latin typeface="仿宋" panose="02010609060101010101" charset="-122"/>
+                <a:ea typeface="仿宋" panose="02010609060101010101" charset="-122"/>
+                <a:sym typeface="+mn-ea"/>
+              </a:rPr>
+              <a:t>根据组会讨论的思路，通过进一步</a:t>
+            </a:r>
+            <a:r>
+              <a:rPr sz="6000" b="1" dirty="0">
+                <a:latin typeface="仿宋" panose="02010609060101010101" charset="-122"/>
+                <a:ea typeface="仿宋" panose="02010609060101010101" charset="-122"/>
+                <a:sym typeface="+mn-ea"/>
+              </a:rPr>
+              <a:t>减小感兴趣区半径，提高</a:t>
+            </a:r>
+            <a:r>
+              <a:rPr lang="zh-CN" sz="6000" b="1" dirty="0">
+                <a:latin typeface="仿宋" panose="02010609060101010101" charset="-122"/>
+                <a:ea typeface="仿宋" panose="02010609060101010101" charset="-122"/>
+                <a:sym typeface="+mn-ea"/>
+              </a:rPr>
+              <a:t>截取图像的</a:t>
+            </a:r>
+            <a:r>
+              <a:rPr lang="zh-CN" sz="6000" b="1" dirty="0">
+                <a:latin typeface="仿宋" panose="02010609060101010101" charset="-122"/>
+                <a:ea typeface="仿宋" panose="02010609060101010101" charset="-122"/>
+                <a:sym typeface="+mn-ea"/>
+              </a:rPr>
+              <a:t>信噪比。</a:t>
+            </a:r>
+            <a:endParaRPr lang="zh-CN" sz="6000" b="1" dirty="0">
+              <a:latin typeface="仿宋" panose="02010609060101010101" charset="-122"/>
+              <a:ea typeface="仿宋" panose="02010609060101010101" charset="-122"/>
+              <a:sym typeface="+mn-ea"/>
+            </a:endParaRPr>
           </a:p>
         </p:txBody>
       </p:sp>
@@ -4257,7 +4328,18 @@
                 <a:ea typeface="微软雅黑" panose="020B0503020204020204" pitchFamily="34" charset="-122"/>
                 <a:sym typeface="+mn-ea"/>
               </a:rPr>
-              <a:t>基本完成第一批数据的标注工作</a:t>
+              <a:t>基本完成</a:t>
+            </a:r>
+            <a:r>
+              <a:rPr lang="zh-CN" altLang="en-US" sz="4000" b="1" dirty="0">
+                <a:solidFill>
+                  <a:srgbClr val="002060"/>
+                </a:solidFill>
+                <a:latin typeface="微软雅黑" panose="020B0503020204020204" pitchFamily="34" charset="-122"/>
+                <a:ea typeface="微软雅黑" panose="020B0503020204020204" pitchFamily="34" charset="-122"/>
+                <a:sym typeface="+mn-ea"/>
+              </a:rPr>
+              <a:t>原始数据的标注工作</a:t>
             </a:r>
             <a:endParaRPr lang="zh-CN" altLang="en-US" sz="4000" b="1" dirty="0">
               <a:solidFill>
@@ -4278,8 +4360,8 @@
         </p:nvSpPr>
         <p:spPr>
           <a:xfrm>
-            <a:off x="15885795" y="3206115"/>
-            <a:ext cx="5069840" cy="5779770"/>
+            <a:off x="17157700" y="3206115"/>
+            <a:ext cx="4011930" cy="6771005"/>
           </a:xfrm>
           <a:prstGeom prst="rect">
             <a:avLst/>
@@ -4298,7 +4380,7 @@
                 <a:ea typeface="仿宋" panose="02010609060101010101" charset="-122"/>
                 <a:sym typeface="+mn-ea"/>
               </a:rPr>
-              <a:t> </a:t>
+              <a:t>基本完成原始数据的标注工作</a:t>
             </a:r>
             <a:r>
               <a:rPr lang="zh-CN" altLang="en-US" sz="6000" b="1" dirty="0">
@@ -4306,7 +4388,7 @@
                 <a:ea typeface="仿宋" panose="02010609060101010101" charset="-122"/>
                 <a:sym typeface="+mn-ea"/>
               </a:rPr>
-              <a:t>参与深圳智能机器人灵巧手大赛。主要负责系统环境搭建，硬件驱动控制</a:t>
+              <a:t>，下一步将设计实际增强算法补充</a:t>
             </a:r>
             <a:r>
               <a:rPr lang="zh-CN" altLang="en-US" sz="6000" b="1" dirty="0">
@@ -4314,7 +4396,7 @@
                 <a:ea typeface="仿宋" panose="02010609060101010101" charset="-122"/>
                 <a:sym typeface="+mn-ea"/>
               </a:rPr>
-              <a:t>等。</a:t>
+              <a:t>数据集。</a:t>
             </a:r>
             <a:endParaRPr lang="zh-CN" altLang="en-US" sz="6000" b="1" dirty="0">
               <a:latin typeface="仿宋" panose="02010609060101010101" charset="-122"/>
@@ -4324,9 +4406,78 @@
           </a:p>
         </p:txBody>
       </p:sp>
+      <p:pic>
+        <p:nvPicPr>
+          <p:cNvPr id="3" name="图片 2"/>
+          <p:cNvPicPr/>
+          <p:nvPr/>
+        </p:nvPicPr>
+        <p:blipFill>
+          <a:blip r:embed="rId1"/>
+        </p:blipFill>
+        <p:spPr>
+          <a:xfrm>
+            <a:off x="741045" y="1262380"/>
+            <a:ext cx="7197725" cy="10676255"/>
+          </a:xfrm>
+          <a:prstGeom prst="rect">
+            <a:avLst/>
+          </a:prstGeom>
+        </p:spPr>
+      </p:pic>
+      <p:pic>
+        <p:nvPicPr>
+          <p:cNvPr id="4" name="图片 3"/>
+          <p:cNvPicPr>
+            <a:picLocks noChangeAspect="1"/>
+          </p:cNvPicPr>
+          <p:nvPr/>
+        </p:nvPicPr>
+        <p:blipFill>
+          <a:blip r:embed="rId2"/>
+          <a:srcRect b="8074"/>
+          <a:stretch>
+            <a:fillRect/>
+          </a:stretch>
+        </p:blipFill>
+        <p:spPr>
+          <a:xfrm>
+            <a:off x="8110220" y="1328420"/>
+            <a:ext cx="8572500" cy="5158740"/>
+          </a:xfrm>
+          <a:prstGeom prst="rect">
+            <a:avLst/>
+          </a:prstGeom>
+        </p:spPr>
+      </p:pic>
+      <p:pic>
+        <p:nvPicPr>
+          <p:cNvPr id="5" name="图片 4"/>
+          <p:cNvPicPr>
+            <a:picLocks noChangeAspect="1"/>
+          </p:cNvPicPr>
+          <p:nvPr/>
+        </p:nvPicPr>
+        <p:blipFill>
+          <a:blip r:embed="rId3"/>
+          <a:srcRect b="8125"/>
+          <a:stretch>
+            <a:fillRect/>
+          </a:stretch>
+        </p:blipFill>
+        <p:spPr>
+          <a:xfrm>
+            <a:off x="8110220" y="6621780"/>
+            <a:ext cx="8571865" cy="5154930"/>
+          </a:xfrm>
+          <a:prstGeom prst="rect">
+            <a:avLst/>
+          </a:prstGeom>
+        </p:spPr>
+      </p:pic>
     </p:spTree>
     <p:custDataLst>
-      <p:tags r:id="rId1"/>
+      <p:tags r:id="rId4"/>
     </p:custDataLst>
   </p:cSld>
   <p:clrMapOvr>
@@ -4432,7 +4583,7 @@
                 <a:ea typeface="微软雅黑" panose="020B0503020204020204" pitchFamily="34" charset="-122"/>
                 <a:sym typeface="+mn-ea"/>
               </a:rPr>
-              <a:t>修改基于荧光直读专利返回意见稿</a:t>
+              <a:t>协助华进编写荧光直读专利初稿</a:t>
             </a:r>
             <a:endParaRPr lang="zh-CN" altLang="en-US" sz="4000" b="1" dirty="0">
               <a:solidFill>
@@ -4478,8 +4629,8 @@
         </p:nvSpPr>
         <p:spPr>
           <a:xfrm>
-            <a:off x="15831185" y="4734560"/>
-            <a:ext cx="4868545" cy="3789680"/>
+            <a:off x="15417800" y="4236720"/>
+            <a:ext cx="4868545" cy="4681855"/>
           </a:xfrm>
           <a:prstGeom prst="rect">
             <a:avLst/>
@@ -4497,16 +4648,16 @@
                 <a:latin typeface="仿宋" panose="02010609060101010101" charset="-122"/>
                 <a:ea typeface="仿宋" panose="02010609060101010101" charset="-122"/>
               </a:rPr>
-              <a:t>参与机器人相关的展览和报告，学习前言</a:t>
-            </a:r>
-            <a:r>
-              <a:rPr lang="zh-CN" altLang="en-US" sz="6000" b="1" dirty="0">
+              <a:t>协助华进编写荧光直读专利初稿，目前还在持续修改中</a:t>
+            </a:r>
+            <a:r>
+              <a:rPr lang="en-US" altLang="zh-CN" sz="6000" b="1" dirty="0">
                 <a:latin typeface="仿宋" panose="02010609060101010101" charset="-122"/>
                 <a:ea typeface="仿宋" panose="02010609060101010101" charset="-122"/>
               </a:rPr>
-              <a:t>研究进展。</a:t>
-            </a:r>
-            <a:endParaRPr lang="zh-CN" altLang="en-US" sz="6000" b="1" dirty="0">
+              <a:t>...</a:t>
+            </a:r>
+            <a:endParaRPr lang="en-US" altLang="zh-CN" sz="6000" b="1" dirty="0">
               <a:latin typeface="仿宋" panose="02010609060101010101" charset="-122"/>
               <a:ea typeface="仿宋" panose="02010609060101010101" charset="-122"/>
             </a:endParaRPr>
@@ -4538,9 +4689,57 @@
           </a:p>
         </p:txBody>
       </p:sp>
+      <p:pic>
+        <p:nvPicPr>
+          <p:cNvPr id="5" name="图片 4"/>
+          <p:cNvPicPr>
+            <a:picLocks noChangeAspect="1"/>
+          </p:cNvPicPr>
+          <p:nvPr/>
+        </p:nvPicPr>
+        <p:blipFill>
+          <a:blip r:embed="rId1"/>
+          <a:stretch>
+            <a:fillRect/>
+          </a:stretch>
+        </p:blipFill>
+        <p:spPr>
+          <a:xfrm>
+            <a:off x="1308735" y="1315720"/>
+            <a:ext cx="5759450" cy="10522585"/>
+          </a:xfrm>
+          <a:prstGeom prst="rect">
+            <a:avLst/>
+          </a:prstGeom>
+        </p:spPr>
+      </p:pic>
+      <p:pic>
+        <p:nvPicPr>
+          <p:cNvPr id="6" name="图片 5"/>
+          <p:cNvPicPr>
+            <a:picLocks noChangeAspect="1"/>
+          </p:cNvPicPr>
+          <p:nvPr/>
+        </p:nvPicPr>
+        <p:blipFill>
+          <a:blip r:embed="rId2"/>
+          <a:stretch>
+            <a:fillRect/>
+          </a:stretch>
+        </p:blipFill>
+        <p:spPr>
+          <a:xfrm>
+            <a:off x="7858125" y="1315720"/>
+            <a:ext cx="5772150" cy="10523220"/>
+          </a:xfrm>
+          <a:prstGeom prst="rect">
+            <a:avLst/>
+          </a:prstGeom>
+        </p:spPr>
+      </p:pic>
     </p:spTree>
     <p:custDataLst>
-      <p:tags r:id="rId1"/>
+      <p:tags r:id="rId3"/>
     </p:custDataLst>
   </p:cSld>
   <p:clrMapOvr>
@@ -4619,7 +4818,7 @@
 <file path=ppt/tags/tag5.xml><?xml version="1.0" encoding="utf-8"?>
 <p:tagLst xmlns:p="http://schemas.openxmlformats.org/presentationml/2006/main">
   <p:tag name="COMMONDATA" val="eyJoZGlkIjoiOWRhYTQ4MWJhYTY5NDkxMzUyNjRmODllNWQxOTAzMTUifQ=="/>
-  <p:tag name="commondata" val="eyJoZGlkIjoiMTZjYmNhNTQwZDE4ZWFjZTE1NDFkZTAwOGVlYjRkN2IifQ=="/>
+  <p:tag name="commondata" val="eyJoZGlkIjoiNjE5MjU3NWUyOWRhOGEyMzVlYjdhNzRhNTZhZGVkZmMifQ=="/>
 </p:tagLst>
 </file>
 
